--- a/Slide Thuyết trình/Nguyễn Khánh Long DBP_CIJS_D10.pptx
+++ b/Slide Thuyết trình/Nguyễn Khánh Long DBP_CIJS_D10.pptx
@@ -4208,7 +4208,7 @@
                 <a:cs typeface="Times New Roman" panose="02020603050405020304" charset="0"/>
                 <a:sym typeface="Arial" panose="020B0604020202020204" pitchFamily="34" charset="0"/>
               </a:rPr>
-              <a:t>- Thay đổi dữ liệu biểu đồ và bản đồ khi click vào highlight (số ca mắc bệnh, số ca chết , số cac chết)</a:t>
+              <a:t>- Thay đổi dữ liệu biểu đồ và bản đồ khi click vào highlight (số ca mắc bệnh, số ca khỏi , số cac chết)</a:t>
             </a:r>
             <a:endParaRPr lang="en-US" altLang="zh-CN" sz="1200" dirty="0">
               <a:solidFill>
@@ -5519,7 +5519,7 @@
                 <a:cs typeface="Times New Roman" panose="02020603050405020304" charset="0"/>
                 <a:sym typeface="+mn-ea"/>
               </a:rPr>
-              <a:t>Deloy sản phẩm </a:t>
+              <a:t>Deploy sản phẩm </a:t>
             </a:r>
             <a:endParaRPr lang="en-US" altLang="zh-CN" sz="2000">
               <a:solidFill>
